--- a/HomeTask11/Executors.pptx
+++ b/HomeTask11/Executors.pptx
@@ -8,6 +8,7 @@
     <p:sldId id="257" r:id="rId2"/>
     <p:sldId id="258" r:id="rId3"/>
     <p:sldId id="259" r:id="rId4"/>
+    <p:sldId id="260" r:id="rId5"/>
   </p:sldIdLst>
   <p:sldSz cx="12192000" cy="6858000"/>
   <p:notesSz cx="6858000" cy="9144000"/>
@@ -3589,8 +3590,13 @@
             </a:r>
             <a:r>
               <a:rPr lang="ru-RU" altLang="ru-RU" sz="1800" dirty="0" smtClean="0"/>
-              <a:t>создает новые потоки по требованию.</a:t>
-            </a:r>
+              <a:t>дает возможность создать поток под конкретную задачу со специальным именем</a:t>
+            </a:r>
+            <a:r>
+              <a:rPr lang="ru-RU" altLang="ru-RU" sz="1800" dirty="0" smtClean="0"/>
+              <a:t>.</a:t>
+            </a:r>
+            <a:endParaRPr lang="ru-RU" altLang="ru-RU" sz="1800" dirty="0" smtClean="0"/>
           </a:p>
           <a:p>
             <a:pPr lvl="0"/>
@@ -4057,6 +4063,1361 @@
       </p:par>
     </p:tnLst>
   </p:timing>
+</p:sld>
+</file>
+
+<file path=ppt/slides/slide4.xml><?xml version="1.0" encoding="utf-8"?>
+<p:sld xmlns:a="http://schemas.openxmlformats.org/drawingml/2006/main" xmlns:r="http://schemas.openxmlformats.org/officeDocument/2006/relationships" xmlns:p="http://schemas.openxmlformats.org/presentationml/2006/main">
+  <p:cSld>
+    <p:spTree>
+      <p:nvGrpSpPr>
+        <p:cNvPr id="1" name=""/>
+        <p:cNvGrpSpPr/>
+        <p:nvPr/>
+      </p:nvGrpSpPr>
+      <p:grpSpPr>
+        <a:xfrm>
+          <a:off x="0" y="0"/>
+          <a:ext cx="0" cy="0"/>
+          <a:chOff x="0" y="0"/>
+          <a:chExt cx="0" cy="0"/>
+        </a:xfrm>
+      </p:grpSpPr>
+      <p:sp>
+        <p:nvSpPr>
+          <p:cNvPr id="4" name="Текст 3"/>
+          <p:cNvSpPr>
+            <a:spLocks noGrp="1"/>
+          </p:cNvSpPr>
+          <p:nvPr>
+            <p:ph type="body" sz="half" idx="2"/>
+          </p:nvPr>
+        </p:nvSpPr>
+        <p:spPr>
+          <a:xfrm>
+            <a:off x="541538" y="337351"/>
+            <a:ext cx="11034944" cy="5531637"/>
+          </a:xfrm>
+        </p:spPr>
+        <p:txBody>
+          <a:bodyPr/>
+          <a:lstStyle/>
+          <a:p>
+            <a:r>
+              <a:rPr lang="ru-RU" dirty="0" smtClean="0"/>
+              <a:t>Методы:</a:t>
+            </a:r>
+          </a:p>
+          <a:p>
+            <a:pPr lvl="0"/>
+            <a:r>
+              <a:rPr lang="ru-RU" altLang="ru-RU" b="1" dirty="0" err="1"/>
+              <a:t>newFixedThreadPool</a:t>
+            </a:r>
+            <a:r>
+              <a:rPr lang="ru-RU" altLang="ru-RU" b="1" dirty="0"/>
+              <a:t>(1) </a:t>
+            </a:r>
+            <a:r>
+              <a:rPr lang="ru-RU" altLang="ru-RU" dirty="0"/>
+              <a:t>- получение фиксированного пула потоков, в нашем случае создается один пул с одним потоком.</a:t>
+            </a:r>
+          </a:p>
+          <a:p>
+            <a:r>
+              <a:rPr lang="ru-RU" altLang="ru-RU" b="1" dirty="0" err="1" smtClean="0"/>
+              <a:t>submit</a:t>
+            </a:r>
+            <a:r>
+              <a:rPr lang="ru-RU" altLang="ru-RU" b="1" dirty="0"/>
+              <a:t>() </a:t>
+            </a:r>
+            <a:r>
+              <a:rPr lang="ru-RU" altLang="ru-RU" dirty="0"/>
+              <a:t>используется, чтобы завершить задачу после , при этом исполнитель не может вернуть результат задачи напрямую.</a:t>
+            </a:r>
+            <a:br>
+              <a:rPr lang="ru-RU" altLang="ru-RU" dirty="0"/>
+            </a:br>
+            <a:r>
+              <a:rPr lang="ru-RU" altLang="ru-RU" dirty="0" smtClean="0"/>
+              <a:t>Для </a:t>
+            </a:r>
+            <a:r>
+              <a:rPr lang="ru-RU" altLang="ru-RU" dirty="0"/>
+              <a:t>результата необходимо сначала проверить, завершено ли выполнение задачи при помощи метода </a:t>
+            </a:r>
+            <a:r>
+              <a:rPr lang="ru-RU" altLang="ru-RU" b="1" dirty="0" err="1"/>
+              <a:t>isDone</a:t>
+            </a:r>
+            <a:r>
+              <a:rPr lang="ru-RU" altLang="ru-RU" b="1" dirty="0"/>
+              <a:t>()</a:t>
+            </a:r>
+            <a:r>
+              <a:rPr lang="ru-RU" altLang="ru-RU" dirty="0"/>
+              <a:t/>
+            </a:r>
+            <a:br>
+              <a:rPr lang="ru-RU" altLang="ru-RU" dirty="0"/>
+            </a:br>
+            <a:r>
+              <a:rPr lang="ru-RU" altLang="ru-RU" b="1" dirty="0" err="1" smtClean="0"/>
+              <a:t>get</a:t>
+            </a:r>
+            <a:r>
+              <a:rPr lang="ru-RU" altLang="ru-RU" b="1" dirty="0"/>
+              <a:t>() </a:t>
+            </a:r>
+            <a:r>
+              <a:rPr lang="ru-RU" altLang="ru-RU" dirty="0"/>
+              <a:t>-  блокирует поток и ждет завершения задачи, а затем возвращает результат ее выполнения.</a:t>
+            </a:r>
+          </a:p>
+          <a:p>
+            <a:r>
+              <a:rPr lang="ru-RU" altLang="ru-RU" b="1" dirty="0" err="1" smtClean="0"/>
+              <a:t>execute</a:t>
+            </a:r>
+            <a:r>
+              <a:rPr lang="ru-RU" altLang="ru-RU" b="1" dirty="0"/>
+              <a:t>() </a:t>
+            </a:r>
+            <a:r>
+              <a:rPr lang="ru-RU" altLang="ru-RU" dirty="0"/>
+              <a:t>- вызывает поток и выводит результат </a:t>
+            </a:r>
+            <a:r>
+              <a:rPr lang="ru-RU" altLang="ru-RU" dirty="0" smtClean="0"/>
+              <a:t>.</a:t>
+            </a:r>
+            <a:endParaRPr lang="ru-RU" altLang="ru-RU" dirty="0"/>
+          </a:p>
+          <a:p>
+            <a:r>
+              <a:rPr lang="ru-RU" altLang="ru-RU" b="1" dirty="0" err="1" smtClean="0"/>
+              <a:t>currentThread</a:t>
+            </a:r>
+            <a:r>
+              <a:rPr lang="ru-RU" altLang="ru-RU" b="1" dirty="0"/>
+              <a:t>() </a:t>
+            </a:r>
+            <a:r>
+              <a:rPr lang="ru-RU" altLang="ru-RU" dirty="0"/>
+              <a:t>- возвращает ссылку на текущий </a:t>
+            </a:r>
+            <a:r>
+              <a:rPr lang="ru-RU" altLang="ru-RU" dirty="0" smtClean="0"/>
+              <a:t>поток.</a:t>
+            </a:r>
+            <a:r>
+              <a:rPr lang="ru-RU" altLang="ru-RU" dirty="0"/>
+              <a:t/>
+            </a:r>
+            <a:br>
+              <a:rPr lang="ru-RU" altLang="ru-RU" dirty="0"/>
+            </a:br>
+            <a:r>
+              <a:rPr lang="ru-RU" altLang="ru-RU" b="1" dirty="0" err="1" smtClean="0"/>
+              <a:t>getName</a:t>
+            </a:r>
+            <a:r>
+              <a:rPr lang="ru-RU" altLang="ru-RU" b="1" dirty="0"/>
+              <a:t>() </a:t>
+            </a:r>
+            <a:r>
+              <a:rPr lang="ru-RU" altLang="ru-RU" dirty="0"/>
+              <a:t>- выводит его </a:t>
+            </a:r>
+            <a:r>
+              <a:rPr lang="ru-RU" altLang="ru-RU" dirty="0" smtClean="0"/>
+              <a:t>имя.</a:t>
+            </a:r>
+            <a:endParaRPr lang="ru-RU" altLang="ru-RU" dirty="0"/>
+          </a:p>
+          <a:p>
+            <a:r>
+              <a:rPr lang="ru-RU" altLang="ru-RU" b="1" dirty="0" err="1" smtClean="0"/>
+              <a:t>isShutdown</a:t>
+            </a:r>
+            <a:r>
+              <a:rPr lang="ru-RU" altLang="ru-RU" b="1" dirty="0" smtClean="0"/>
+              <a:t> </a:t>
+            </a:r>
+            <a:r>
+              <a:rPr lang="ru-RU" altLang="ru-RU" dirty="0"/>
+              <a:t>возвращает </a:t>
+            </a:r>
+            <a:r>
+              <a:rPr lang="ru-RU" altLang="ru-RU" dirty="0" err="1"/>
+              <a:t>true</a:t>
+            </a:r>
+            <a:r>
+              <a:rPr lang="ru-RU" altLang="ru-RU" dirty="0"/>
+              <a:t>, когда </a:t>
+            </a:r>
+            <a:r>
+              <a:rPr lang="ru-RU" altLang="ru-RU" dirty="0" err="1"/>
+              <a:t>ExecuteService</a:t>
+            </a:r>
+            <a:r>
+              <a:rPr lang="ru-RU" altLang="ru-RU" dirty="0"/>
+              <a:t> перестает принимать новые задачи(Достигается путем</a:t>
+            </a:r>
+            <a:r>
+              <a:rPr lang="ru-RU" altLang="ru-RU" dirty="0" smtClean="0"/>
+              <a:t>).</a:t>
+            </a:r>
+            <a:br>
+              <a:rPr lang="ru-RU" altLang="ru-RU" dirty="0" smtClean="0"/>
+            </a:br>
+            <a:r>
+              <a:rPr lang="ru-RU" altLang="ru-RU" b="1" dirty="0" err="1" smtClean="0"/>
+              <a:t>isTerminated</a:t>
+            </a:r>
+            <a:r>
+              <a:rPr lang="ru-RU" altLang="ru-RU" b="1" dirty="0"/>
+              <a:t>() </a:t>
+            </a:r>
+            <a:r>
+              <a:rPr lang="ru-RU" altLang="ru-RU" dirty="0"/>
+              <a:t>возвращает </a:t>
+            </a:r>
+            <a:r>
+              <a:rPr lang="ru-RU" altLang="ru-RU" dirty="0" err="1"/>
+              <a:t>true</a:t>
+            </a:r>
+            <a:r>
+              <a:rPr lang="ru-RU" altLang="ru-RU" dirty="0"/>
+              <a:t>, когда </a:t>
+            </a:r>
+            <a:r>
+              <a:rPr lang="ru-RU" altLang="ru-RU" dirty="0" err="1"/>
+              <a:t>isShutdown</a:t>
+            </a:r>
+            <a:r>
+              <a:rPr lang="ru-RU" altLang="ru-RU" dirty="0"/>
+              <a:t> тоже </a:t>
+            </a:r>
+            <a:r>
+              <a:rPr lang="ru-RU" altLang="ru-RU" dirty="0" err="1"/>
+              <a:t>true</a:t>
+            </a:r>
+            <a:r>
+              <a:rPr lang="ru-RU" altLang="ru-RU" dirty="0"/>
+              <a:t> и все задачи </a:t>
+            </a:r>
+            <a:r>
+              <a:rPr lang="ru-RU" altLang="ru-RU" dirty="0" smtClean="0"/>
+              <a:t>закончены.</a:t>
+            </a:r>
+            <a:endParaRPr lang="ru-RU" altLang="ru-RU" dirty="0"/>
+          </a:p>
+          <a:p>
+            <a:r>
+              <a:rPr lang="ru-RU" altLang="ru-RU" b="1" dirty="0" err="1" smtClean="0"/>
+              <a:t>shutdownNow</a:t>
+            </a:r>
+            <a:r>
+              <a:rPr lang="ru-RU" altLang="ru-RU" b="1" dirty="0"/>
+              <a:t>() </a:t>
+            </a:r>
+            <a:r>
+              <a:rPr lang="ru-RU" altLang="ru-RU" dirty="0"/>
+              <a:t>- останавливает исполнитель немедленно.</a:t>
+            </a:r>
+          </a:p>
+          <a:p>
+            <a:r>
+              <a:rPr lang="ru-RU" altLang="ru-RU" b="1" dirty="0" err="1" smtClean="0"/>
+              <a:t>shutdown</a:t>
+            </a:r>
+            <a:r>
+              <a:rPr lang="ru-RU" altLang="ru-RU" b="1" dirty="0"/>
+              <a:t>() </a:t>
+            </a:r>
+            <a:r>
+              <a:rPr lang="ru-RU" altLang="ru-RU" dirty="0"/>
+              <a:t>- ждет завершения запущенных </a:t>
+            </a:r>
+            <a:r>
+              <a:rPr lang="ru-RU" altLang="ru-RU" dirty="0" smtClean="0"/>
+              <a:t>задач.</a:t>
+            </a:r>
+            <a:endParaRPr lang="ru-RU" altLang="ru-RU" dirty="0"/>
+          </a:p>
+          <a:p>
+            <a:r>
+              <a:rPr lang="ru-RU" altLang="ru-RU" b="1" dirty="0" err="1"/>
+              <a:t>invokeAll</a:t>
+            </a:r>
+            <a:r>
+              <a:rPr lang="ru-RU" altLang="ru-RU" b="1" dirty="0" smtClean="0"/>
+              <a:t>() </a:t>
+            </a:r>
+            <a:r>
+              <a:rPr lang="ru-RU" altLang="ru-RU" dirty="0" smtClean="0"/>
+              <a:t>-  </a:t>
+            </a:r>
+            <a:r>
+              <a:rPr lang="ru-RU" altLang="ru-RU" dirty="0" err="1" smtClean="0"/>
+              <a:t>позволет</a:t>
+            </a:r>
+            <a:r>
+              <a:rPr lang="ru-RU" altLang="ru-RU" dirty="0" smtClean="0"/>
+              <a:t> </a:t>
+            </a:r>
+            <a:r>
+              <a:rPr lang="ru-RU" altLang="ru-RU" dirty="0"/>
+              <a:t>принимать список задач на </a:t>
+            </a:r>
+            <a:r>
+              <a:rPr lang="ru-RU" altLang="ru-RU" dirty="0" smtClean="0"/>
+              <a:t>выполнение. Он </a:t>
+            </a:r>
+            <a:r>
+              <a:rPr lang="ru-RU" altLang="ru-RU" dirty="0"/>
+              <a:t>принимает коллекцию </a:t>
+            </a:r>
+            <a:r>
+              <a:rPr lang="ru-RU" altLang="ru-RU" dirty="0" err="1" smtClean="0"/>
+              <a:t>Сallable</a:t>
+            </a:r>
+            <a:r>
+              <a:rPr lang="ru-RU" altLang="ru-RU" dirty="0" smtClean="0"/>
+              <a:t> - задач </a:t>
+            </a:r>
+            <a:r>
+              <a:rPr lang="ru-RU" altLang="ru-RU" dirty="0"/>
+              <a:t>и возвращает список из </a:t>
+            </a:r>
+            <a:r>
+              <a:rPr lang="ru-RU" altLang="ru-RU" dirty="0" err="1"/>
+              <a:t>Future</a:t>
+            </a:r>
+            <a:r>
+              <a:rPr lang="ru-RU" altLang="ru-RU" dirty="0"/>
+              <a:t> </a:t>
+            </a:r>
+            <a:r>
+              <a:rPr lang="ru-RU" altLang="ru-RU" dirty="0" smtClean="0"/>
+              <a:t>.</a:t>
+            </a:r>
+            <a:endParaRPr lang="ru-RU" altLang="ru-RU" dirty="0"/>
+          </a:p>
+          <a:p>
+            <a:pPr lvl="0"/>
+            <a:r>
+              <a:rPr lang="ru-RU" altLang="ru-RU" b="1" dirty="0" err="1"/>
+              <a:t>invokeAny</a:t>
+            </a:r>
+            <a:r>
+              <a:rPr lang="ru-RU" altLang="ru-RU" b="1" dirty="0" smtClean="0"/>
+              <a:t>() </a:t>
+            </a:r>
+            <a:r>
+              <a:rPr lang="ru-RU" altLang="ru-RU" dirty="0" smtClean="0"/>
+              <a:t>- другой </a:t>
+            </a:r>
+            <a:r>
+              <a:rPr lang="ru-RU" altLang="ru-RU" dirty="0"/>
+              <a:t>способ отдать на выполнение несколько </a:t>
+            </a:r>
+            <a:r>
+              <a:rPr lang="ru-RU" altLang="ru-RU" dirty="0" smtClean="0"/>
+              <a:t>задач. </a:t>
+            </a:r>
+            <a:r>
+              <a:rPr lang="ru-RU" altLang="ru-RU" dirty="0"/>
+              <a:t>Он работает немного по-другому: вместо возврата </a:t>
+            </a:r>
+            <a:r>
+              <a:rPr lang="ru-RU" altLang="ru-RU" dirty="0" err="1"/>
+              <a:t>Future</a:t>
+            </a:r>
+            <a:r>
+              <a:rPr lang="ru-RU" altLang="ru-RU" dirty="0"/>
+              <a:t> он блокирует поток до того, как завершится хоть одна задача, и возвращает ее результат. </a:t>
+            </a:r>
+          </a:p>
+          <a:p>
+            <a:endParaRPr lang="ru-RU" dirty="0"/>
+          </a:p>
+        </p:txBody>
+      </p:sp>
+      <p:sp>
+        <p:nvSpPr>
+          <p:cNvPr id="8" name="Rectangle 4"/>
+          <p:cNvSpPr>
+            <a:spLocks noChangeArrowheads="1"/>
+          </p:cNvSpPr>
+          <p:nvPr/>
+        </p:nvSpPr>
+        <p:spPr bwMode="auto">
+          <a:xfrm>
+            <a:off x="0" y="43934"/>
+            <a:ext cx="184731" cy="369332"/>
+          </a:xfrm>
+          <a:prstGeom prst="rect">
+            <a:avLst/>
+          </a:prstGeom>
+          <a:solidFill>
+            <a:srgbClr val="FFFFFF"/>
+          </a:solidFill>
+          <a:ln>
+            <a:noFill/>
+          </a:ln>
+          <a:effectLst/>
+          <a:extLst>
+            <a:ext uri="{91240B29-F687-4F45-9708-019B960494DF}">
+              <a14:hiddenLine xmlns:a14="http://schemas.microsoft.com/office/drawing/2010/main" w="9525">
+                <a:solidFill>
+                  <a:schemeClr val="tx1"/>
+                </a:solidFill>
+                <a:miter lim="800000"/>
+                <a:headEnd/>
+                <a:tailEnd/>
+              </a14:hiddenLine>
+            </a:ext>
+            <a:ext uri="{AF507438-7753-43E0-B8FC-AC1667EBCBE1}">
+              <a14:hiddenEffects xmlns:a14="http://schemas.microsoft.com/office/drawing/2010/main">
+                <a:effectLst>
+                  <a:outerShdw dist="35921" dir="2700000" algn="ctr" rotWithShape="0">
+                    <a:schemeClr val="bg2"/>
+                  </a:outerShdw>
+                </a:effectLst>
+              </a14:hiddenEffects>
+            </a:ext>
+          </a:extLst>
+        </p:spPr>
+        <p:txBody>
+          <a:bodyPr vert="horz" wrap="none" lIns="91440" tIns="45720" rIns="91440" bIns="45720" numCol="1" anchor="ctr" anchorCtr="0" compatLnSpc="1">
+            <a:prstTxWarp prst="textNoShape">
+              <a:avLst/>
+            </a:prstTxWarp>
+            <a:spAutoFit/>
+          </a:bodyPr>
+          <a:lstStyle/>
+          <a:p>
+            <a:pPr marL="0" marR="0" lvl="0" indent="0" algn="l" defTabSz="914400" rtl="0" eaLnBrk="0" fontAlgn="base" latinLnBrk="0" hangingPunct="0">
+              <a:lnSpc>
+                <a:spcPct val="100000"/>
+              </a:lnSpc>
+              <a:spcBef>
+                <a:spcPct val="0"/>
+              </a:spcBef>
+              <a:spcAft>
+                <a:spcPct val="0"/>
+              </a:spcAft>
+              <a:buClrTx/>
+              <a:buSzTx/>
+              <a:buFontTx/>
+              <a:buNone/>
+              <a:tabLst/>
+            </a:pPr>
+            <a:endParaRPr kumimoji="0" lang="ru-RU" altLang="ru-RU" sz="1800" b="0" i="0" u="none" strike="noStrike" cap="none" normalizeH="0" baseline="0" dirty="0" smtClean="0">
+              <a:ln>
+                <a:noFill/>
+              </a:ln>
+              <a:solidFill>
+                <a:schemeClr val="tx1"/>
+              </a:solidFill>
+              <a:effectLst/>
+              <a:latin typeface="Arial" panose="020B0604020202020204" pitchFamily="34" charset="0"/>
+            </a:endParaRPr>
+          </a:p>
+        </p:txBody>
+      </p:sp>
+      <p:sp>
+        <p:nvSpPr>
+          <p:cNvPr id="9" name="Rectangle 5"/>
+          <p:cNvSpPr>
+            <a:spLocks noChangeArrowheads="1"/>
+          </p:cNvSpPr>
+          <p:nvPr/>
+        </p:nvSpPr>
+        <p:spPr bwMode="auto">
+          <a:xfrm>
+            <a:off x="0" y="43934"/>
+            <a:ext cx="184731" cy="369332"/>
+          </a:xfrm>
+          <a:prstGeom prst="rect">
+            <a:avLst/>
+          </a:prstGeom>
+          <a:solidFill>
+            <a:srgbClr val="FFFFFF"/>
+          </a:solidFill>
+          <a:ln>
+            <a:noFill/>
+          </a:ln>
+          <a:effectLst/>
+          <a:extLst>
+            <a:ext uri="{91240B29-F687-4F45-9708-019B960494DF}">
+              <a14:hiddenLine xmlns:a14="http://schemas.microsoft.com/office/drawing/2010/main" w="9525">
+                <a:solidFill>
+                  <a:schemeClr val="tx1"/>
+                </a:solidFill>
+                <a:miter lim="800000"/>
+                <a:headEnd/>
+                <a:tailEnd/>
+              </a14:hiddenLine>
+            </a:ext>
+            <a:ext uri="{AF507438-7753-43E0-B8FC-AC1667EBCBE1}">
+              <a14:hiddenEffects xmlns:a14="http://schemas.microsoft.com/office/drawing/2010/main">
+                <a:effectLst>
+                  <a:outerShdw dist="35921" dir="2700000" algn="ctr" rotWithShape="0">
+                    <a:schemeClr val="bg2"/>
+                  </a:outerShdw>
+                </a:effectLst>
+              </a14:hiddenEffects>
+            </a:ext>
+          </a:extLst>
+        </p:spPr>
+        <p:txBody>
+          <a:bodyPr vert="horz" wrap="none" lIns="91440" tIns="45720" rIns="91440" bIns="45720" numCol="1" anchor="ctr" anchorCtr="0" compatLnSpc="1">
+            <a:prstTxWarp prst="textNoShape">
+              <a:avLst/>
+            </a:prstTxWarp>
+            <a:spAutoFit/>
+          </a:bodyPr>
+          <a:lstStyle/>
+          <a:p>
+            <a:pPr marL="0" marR="0" lvl="0" indent="0" algn="l" defTabSz="914400" rtl="0" eaLnBrk="0" fontAlgn="base" latinLnBrk="0" hangingPunct="0">
+              <a:lnSpc>
+                <a:spcPct val="100000"/>
+              </a:lnSpc>
+              <a:spcBef>
+                <a:spcPct val="0"/>
+              </a:spcBef>
+              <a:spcAft>
+                <a:spcPct val="0"/>
+              </a:spcAft>
+              <a:buClrTx/>
+              <a:buSzTx/>
+              <a:buFontTx/>
+              <a:buNone/>
+              <a:tabLst/>
+            </a:pPr>
+            <a:endParaRPr kumimoji="0" lang="ru-RU" altLang="ru-RU" sz="1800" b="0" i="0" u="none" strike="noStrike" cap="none" normalizeH="0" baseline="0" dirty="0" smtClean="0">
+              <a:ln>
+                <a:noFill/>
+              </a:ln>
+              <a:solidFill>
+                <a:schemeClr val="tx1"/>
+              </a:solidFill>
+              <a:effectLst/>
+              <a:latin typeface="Arial" panose="020B0604020202020204" pitchFamily="34" charset="0"/>
+            </a:endParaRPr>
+          </a:p>
+        </p:txBody>
+      </p:sp>
+      <p:sp>
+        <p:nvSpPr>
+          <p:cNvPr id="10" name="Rectangle 6"/>
+          <p:cNvSpPr>
+            <a:spLocks noChangeArrowheads="1"/>
+          </p:cNvSpPr>
+          <p:nvPr/>
+        </p:nvSpPr>
+        <p:spPr bwMode="auto">
+          <a:xfrm>
+            <a:off x="0" y="43934"/>
+            <a:ext cx="184731" cy="369332"/>
+          </a:xfrm>
+          <a:prstGeom prst="rect">
+            <a:avLst/>
+          </a:prstGeom>
+          <a:solidFill>
+            <a:srgbClr val="FFFFFF"/>
+          </a:solidFill>
+          <a:ln>
+            <a:noFill/>
+          </a:ln>
+          <a:effectLst/>
+          <a:extLst>
+            <a:ext uri="{91240B29-F687-4F45-9708-019B960494DF}">
+              <a14:hiddenLine xmlns:a14="http://schemas.microsoft.com/office/drawing/2010/main" w="9525">
+                <a:solidFill>
+                  <a:schemeClr val="tx1"/>
+                </a:solidFill>
+                <a:miter lim="800000"/>
+                <a:headEnd/>
+                <a:tailEnd/>
+              </a14:hiddenLine>
+            </a:ext>
+            <a:ext uri="{AF507438-7753-43E0-B8FC-AC1667EBCBE1}">
+              <a14:hiddenEffects xmlns:a14="http://schemas.microsoft.com/office/drawing/2010/main">
+                <a:effectLst>
+                  <a:outerShdw dist="35921" dir="2700000" algn="ctr" rotWithShape="0">
+                    <a:schemeClr val="bg2"/>
+                  </a:outerShdw>
+                </a:effectLst>
+              </a14:hiddenEffects>
+            </a:ext>
+          </a:extLst>
+        </p:spPr>
+        <p:txBody>
+          <a:bodyPr vert="horz" wrap="none" lIns="91440" tIns="45720" rIns="91440" bIns="45720" numCol="1" anchor="ctr" anchorCtr="0" compatLnSpc="1">
+            <a:prstTxWarp prst="textNoShape">
+              <a:avLst/>
+            </a:prstTxWarp>
+            <a:spAutoFit/>
+          </a:bodyPr>
+          <a:lstStyle/>
+          <a:p>
+            <a:pPr marL="0" marR="0" lvl="0" indent="0" algn="l" defTabSz="914400" rtl="0" eaLnBrk="0" fontAlgn="base" latinLnBrk="0" hangingPunct="0">
+              <a:lnSpc>
+                <a:spcPct val="100000"/>
+              </a:lnSpc>
+              <a:spcBef>
+                <a:spcPct val="0"/>
+              </a:spcBef>
+              <a:spcAft>
+                <a:spcPct val="0"/>
+              </a:spcAft>
+              <a:buClrTx/>
+              <a:buSzTx/>
+              <a:buFontTx/>
+              <a:buNone/>
+              <a:tabLst/>
+            </a:pPr>
+            <a:endParaRPr kumimoji="0" lang="ru-RU" altLang="ru-RU" sz="1800" b="0" i="0" u="none" strike="noStrike" cap="none" normalizeH="0" baseline="0" dirty="0" smtClean="0">
+              <a:ln>
+                <a:noFill/>
+              </a:ln>
+              <a:solidFill>
+                <a:schemeClr val="tx1"/>
+              </a:solidFill>
+              <a:effectLst/>
+              <a:latin typeface="Arial" panose="020B0604020202020204" pitchFamily="34" charset="0"/>
+            </a:endParaRPr>
+          </a:p>
+        </p:txBody>
+      </p:sp>
+      <p:sp>
+        <p:nvSpPr>
+          <p:cNvPr id="11" name="Rectangle 7"/>
+          <p:cNvSpPr>
+            <a:spLocks noChangeArrowheads="1"/>
+          </p:cNvSpPr>
+          <p:nvPr/>
+        </p:nvSpPr>
+        <p:spPr bwMode="auto">
+          <a:xfrm>
+            <a:off x="152400" y="196334"/>
+            <a:ext cx="184731" cy="369332"/>
+          </a:xfrm>
+          <a:prstGeom prst="rect">
+            <a:avLst/>
+          </a:prstGeom>
+          <a:solidFill>
+            <a:srgbClr val="FFFFFF"/>
+          </a:solidFill>
+          <a:ln>
+            <a:noFill/>
+          </a:ln>
+          <a:effectLst/>
+          <a:extLst>
+            <a:ext uri="{91240B29-F687-4F45-9708-019B960494DF}">
+              <a14:hiddenLine xmlns:a14="http://schemas.microsoft.com/office/drawing/2010/main" w="9525">
+                <a:solidFill>
+                  <a:schemeClr val="tx1"/>
+                </a:solidFill>
+                <a:miter lim="800000"/>
+                <a:headEnd/>
+                <a:tailEnd/>
+              </a14:hiddenLine>
+            </a:ext>
+            <a:ext uri="{AF507438-7753-43E0-B8FC-AC1667EBCBE1}">
+              <a14:hiddenEffects xmlns:a14="http://schemas.microsoft.com/office/drawing/2010/main">
+                <a:effectLst>
+                  <a:outerShdw dist="35921" dir="2700000" algn="ctr" rotWithShape="0">
+                    <a:schemeClr val="bg2"/>
+                  </a:outerShdw>
+                </a:effectLst>
+              </a14:hiddenEffects>
+            </a:ext>
+          </a:extLst>
+        </p:spPr>
+        <p:txBody>
+          <a:bodyPr vert="horz" wrap="none" lIns="91440" tIns="45720" rIns="91440" bIns="45720" numCol="1" anchor="ctr" anchorCtr="0" compatLnSpc="1">
+            <a:prstTxWarp prst="textNoShape">
+              <a:avLst/>
+            </a:prstTxWarp>
+            <a:spAutoFit/>
+          </a:bodyPr>
+          <a:lstStyle/>
+          <a:p>
+            <a:pPr marL="0" marR="0" lvl="0" indent="0" algn="l" defTabSz="914400" rtl="0" eaLnBrk="0" fontAlgn="base" latinLnBrk="0" hangingPunct="0">
+              <a:lnSpc>
+                <a:spcPct val="100000"/>
+              </a:lnSpc>
+              <a:spcBef>
+                <a:spcPct val="0"/>
+              </a:spcBef>
+              <a:spcAft>
+                <a:spcPct val="0"/>
+              </a:spcAft>
+              <a:buClrTx/>
+              <a:buSzTx/>
+              <a:buFontTx/>
+              <a:buNone/>
+              <a:tabLst/>
+            </a:pPr>
+            <a:endParaRPr kumimoji="0" lang="ru-RU" altLang="ru-RU" sz="1800" b="0" i="0" u="none" strike="noStrike" cap="none" normalizeH="0" baseline="0" dirty="0" smtClean="0">
+              <a:ln>
+                <a:noFill/>
+              </a:ln>
+              <a:solidFill>
+                <a:schemeClr val="tx1"/>
+              </a:solidFill>
+              <a:effectLst/>
+              <a:latin typeface="Arial" panose="020B0604020202020204" pitchFamily="34" charset="0"/>
+            </a:endParaRPr>
+          </a:p>
+        </p:txBody>
+      </p:sp>
+      <p:sp>
+        <p:nvSpPr>
+          <p:cNvPr id="12" name="Rectangle 8"/>
+          <p:cNvSpPr>
+            <a:spLocks noChangeArrowheads="1"/>
+          </p:cNvSpPr>
+          <p:nvPr/>
+        </p:nvSpPr>
+        <p:spPr bwMode="auto">
+          <a:xfrm>
+            <a:off x="0" y="-184666"/>
+            <a:ext cx="184731" cy="369332"/>
+          </a:xfrm>
+          <a:prstGeom prst="rect">
+            <a:avLst/>
+          </a:prstGeom>
+          <a:solidFill>
+            <a:srgbClr val="F8F8F8"/>
+          </a:solidFill>
+          <a:ln>
+            <a:noFill/>
+          </a:ln>
+          <a:effectLst/>
+          <a:extLst>
+            <a:ext uri="{91240B29-F687-4F45-9708-019B960494DF}">
+              <a14:hiddenLine xmlns:a14="http://schemas.microsoft.com/office/drawing/2010/main" w="9525">
+                <a:solidFill>
+                  <a:schemeClr val="tx1"/>
+                </a:solidFill>
+                <a:miter lim="800000"/>
+                <a:headEnd/>
+                <a:tailEnd/>
+              </a14:hiddenLine>
+            </a:ext>
+            <a:ext uri="{AF507438-7753-43E0-B8FC-AC1667EBCBE1}">
+              <a14:hiddenEffects xmlns:a14="http://schemas.microsoft.com/office/drawing/2010/main">
+                <a:effectLst>
+                  <a:outerShdw dist="35921" dir="2700000" algn="ctr" rotWithShape="0">
+                    <a:schemeClr val="bg2"/>
+                  </a:outerShdw>
+                </a:effectLst>
+              </a14:hiddenEffects>
+            </a:ext>
+          </a:extLst>
+        </p:spPr>
+        <p:txBody>
+          <a:bodyPr vert="horz" wrap="none" lIns="91440" tIns="45720" rIns="91440" bIns="45720" numCol="1" anchor="ctr" anchorCtr="0" compatLnSpc="1">
+            <a:prstTxWarp prst="textNoShape">
+              <a:avLst/>
+            </a:prstTxWarp>
+            <a:spAutoFit/>
+          </a:bodyPr>
+          <a:lstStyle>
+            <a:lvl1pPr eaLnBrk="0" fontAlgn="base" hangingPunct="0">
+              <a:spcBef>
+                <a:spcPct val="0"/>
+              </a:spcBef>
+              <a:spcAft>
+                <a:spcPct val="0"/>
+              </a:spcAft>
+              <a:defRPr>
+                <a:solidFill>
+                  <a:schemeClr val="tx1"/>
+                </a:solidFill>
+                <a:latin typeface="Arial" panose="020B0604020202020204" pitchFamily="34" charset="0"/>
+              </a:defRPr>
+            </a:lvl1pPr>
+            <a:lvl2pPr eaLnBrk="0" fontAlgn="base" hangingPunct="0">
+              <a:spcBef>
+                <a:spcPct val="0"/>
+              </a:spcBef>
+              <a:spcAft>
+                <a:spcPct val="0"/>
+              </a:spcAft>
+              <a:defRPr>
+                <a:solidFill>
+                  <a:schemeClr val="tx1"/>
+                </a:solidFill>
+                <a:latin typeface="Arial" panose="020B0604020202020204" pitchFamily="34" charset="0"/>
+              </a:defRPr>
+            </a:lvl2pPr>
+            <a:lvl3pPr eaLnBrk="0" fontAlgn="base" hangingPunct="0">
+              <a:spcBef>
+                <a:spcPct val="0"/>
+              </a:spcBef>
+              <a:spcAft>
+                <a:spcPct val="0"/>
+              </a:spcAft>
+              <a:defRPr>
+                <a:solidFill>
+                  <a:schemeClr val="tx1"/>
+                </a:solidFill>
+                <a:latin typeface="Arial" panose="020B0604020202020204" pitchFamily="34" charset="0"/>
+              </a:defRPr>
+            </a:lvl3pPr>
+            <a:lvl4pPr eaLnBrk="0" fontAlgn="base" hangingPunct="0">
+              <a:spcBef>
+                <a:spcPct val="0"/>
+              </a:spcBef>
+              <a:spcAft>
+                <a:spcPct val="0"/>
+              </a:spcAft>
+              <a:defRPr>
+                <a:solidFill>
+                  <a:schemeClr val="tx1"/>
+                </a:solidFill>
+                <a:latin typeface="Arial" panose="020B0604020202020204" pitchFamily="34" charset="0"/>
+              </a:defRPr>
+            </a:lvl4pPr>
+            <a:lvl5pPr eaLnBrk="0" fontAlgn="base" hangingPunct="0">
+              <a:spcBef>
+                <a:spcPct val="0"/>
+              </a:spcBef>
+              <a:spcAft>
+                <a:spcPct val="0"/>
+              </a:spcAft>
+              <a:defRPr>
+                <a:solidFill>
+                  <a:schemeClr val="tx1"/>
+                </a:solidFill>
+                <a:latin typeface="Arial" panose="020B0604020202020204" pitchFamily="34" charset="0"/>
+              </a:defRPr>
+            </a:lvl5pPr>
+            <a:lvl6pPr eaLnBrk="0" fontAlgn="base" hangingPunct="0">
+              <a:spcBef>
+                <a:spcPct val="0"/>
+              </a:spcBef>
+              <a:spcAft>
+                <a:spcPct val="0"/>
+              </a:spcAft>
+              <a:defRPr>
+                <a:solidFill>
+                  <a:schemeClr val="tx1"/>
+                </a:solidFill>
+                <a:latin typeface="Arial" panose="020B0604020202020204" pitchFamily="34" charset="0"/>
+              </a:defRPr>
+            </a:lvl6pPr>
+            <a:lvl7pPr eaLnBrk="0" fontAlgn="base" hangingPunct="0">
+              <a:spcBef>
+                <a:spcPct val="0"/>
+              </a:spcBef>
+              <a:spcAft>
+                <a:spcPct val="0"/>
+              </a:spcAft>
+              <a:defRPr>
+                <a:solidFill>
+                  <a:schemeClr val="tx1"/>
+                </a:solidFill>
+                <a:latin typeface="Arial" panose="020B0604020202020204" pitchFamily="34" charset="0"/>
+              </a:defRPr>
+            </a:lvl7pPr>
+            <a:lvl8pPr eaLnBrk="0" fontAlgn="base" hangingPunct="0">
+              <a:spcBef>
+                <a:spcPct val="0"/>
+              </a:spcBef>
+              <a:spcAft>
+                <a:spcPct val="0"/>
+              </a:spcAft>
+              <a:defRPr>
+                <a:solidFill>
+                  <a:schemeClr val="tx1"/>
+                </a:solidFill>
+                <a:latin typeface="Arial" panose="020B0604020202020204" pitchFamily="34" charset="0"/>
+              </a:defRPr>
+            </a:lvl8pPr>
+            <a:lvl9pPr eaLnBrk="0" fontAlgn="base" hangingPunct="0">
+              <a:spcBef>
+                <a:spcPct val="0"/>
+              </a:spcBef>
+              <a:spcAft>
+                <a:spcPct val="0"/>
+              </a:spcAft>
+              <a:defRPr>
+                <a:solidFill>
+                  <a:schemeClr val="tx1"/>
+                </a:solidFill>
+                <a:latin typeface="Arial" panose="020B0604020202020204" pitchFamily="34" charset="0"/>
+              </a:defRPr>
+            </a:lvl9pPr>
+          </a:lstStyle>
+          <a:p>
+            <a:pPr marL="0" marR="0" lvl="0" indent="0" algn="l" defTabSz="914400" rtl="0" eaLnBrk="0" fontAlgn="base" latinLnBrk="0" hangingPunct="0">
+              <a:lnSpc>
+                <a:spcPct val="100000"/>
+              </a:lnSpc>
+              <a:spcBef>
+                <a:spcPct val="0"/>
+              </a:spcBef>
+              <a:spcAft>
+                <a:spcPct val="0"/>
+              </a:spcAft>
+              <a:buClrTx/>
+              <a:buSzTx/>
+              <a:buFontTx/>
+              <a:buNone/>
+              <a:tabLst/>
+            </a:pPr>
+            <a:endParaRPr kumimoji="0" lang="ru-RU" altLang="ru-RU" sz="1800" b="0" i="0" u="none" strike="noStrike" cap="none" normalizeH="0" baseline="0" dirty="0" smtClean="0">
+              <a:ln>
+                <a:noFill/>
+              </a:ln>
+              <a:solidFill>
+                <a:schemeClr val="tx1"/>
+              </a:solidFill>
+              <a:effectLst/>
+              <a:latin typeface="Arial" panose="020B0604020202020204" pitchFamily="34" charset="0"/>
+            </a:endParaRPr>
+          </a:p>
+        </p:txBody>
+      </p:sp>
+      <p:sp>
+        <p:nvSpPr>
+          <p:cNvPr id="13" name="Rectangle 9"/>
+          <p:cNvSpPr>
+            <a:spLocks noChangeArrowheads="1"/>
+          </p:cNvSpPr>
+          <p:nvPr/>
+        </p:nvSpPr>
+        <p:spPr bwMode="auto">
+          <a:xfrm>
+            <a:off x="152400" y="-32266"/>
+            <a:ext cx="184731" cy="369332"/>
+          </a:xfrm>
+          <a:prstGeom prst="rect">
+            <a:avLst/>
+          </a:prstGeom>
+          <a:solidFill>
+            <a:srgbClr val="F8F8F8"/>
+          </a:solidFill>
+          <a:ln>
+            <a:noFill/>
+          </a:ln>
+          <a:effectLst/>
+          <a:extLst>
+            <a:ext uri="{91240B29-F687-4F45-9708-019B960494DF}">
+              <a14:hiddenLine xmlns:a14="http://schemas.microsoft.com/office/drawing/2010/main" w="9525">
+                <a:solidFill>
+                  <a:schemeClr val="tx1"/>
+                </a:solidFill>
+                <a:miter lim="800000"/>
+                <a:headEnd/>
+                <a:tailEnd/>
+              </a14:hiddenLine>
+            </a:ext>
+            <a:ext uri="{AF507438-7753-43E0-B8FC-AC1667EBCBE1}">
+              <a14:hiddenEffects xmlns:a14="http://schemas.microsoft.com/office/drawing/2010/main">
+                <a:effectLst>
+                  <a:outerShdw dist="35921" dir="2700000" algn="ctr" rotWithShape="0">
+                    <a:schemeClr val="bg2"/>
+                  </a:outerShdw>
+                </a:effectLst>
+              </a14:hiddenEffects>
+            </a:ext>
+          </a:extLst>
+        </p:spPr>
+        <p:txBody>
+          <a:bodyPr vert="horz" wrap="none" lIns="91440" tIns="45720" rIns="91440" bIns="45720" numCol="1" anchor="ctr" anchorCtr="0" compatLnSpc="1">
+            <a:prstTxWarp prst="textNoShape">
+              <a:avLst/>
+            </a:prstTxWarp>
+            <a:spAutoFit/>
+          </a:bodyPr>
+          <a:lstStyle>
+            <a:lvl1pPr eaLnBrk="0" fontAlgn="base" hangingPunct="0">
+              <a:spcBef>
+                <a:spcPct val="0"/>
+              </a:spcBef>
+              <a:spcAft>
+                <a:spcPct val="0"/>
+              </a:spcAft>
+              <a:defRPr>
+                <a:solidFill>
+                  <a:schemeClr val="tx1"/>
+                </a:solidFill>
+                <a:latin typeface="Arial" panose="020B0604020202020204" pitchFamily="34" charset="0"/>
+              </a:defRPr>
+            </a:lvl1pPr>
+            <a:lvl2pPr eaLnBrk="0" fontAlgn="base" hangingPunct="0">
+              <a:spcBef>
+                <a:spcPct val="0"/>
+              </a:spcBef>
+              <a:spcAft>
+                <a:spcPct val="0"/>
+              </a:spcAft>
+              <a:defRPr>
+                <a:solidFill>
+                  <a:schemeClr val="tx1"/>
+                </a:solidFill>
+                <a:latin typeface="Arial" panose="020B0604020202020204" pitchFamily="34" charset="0"/>
+              </a:defRPr>
+            </a:lvl2pPr>
+            <a:lvl3pPr eaLnBrk="0" fontAlgn="base" hangingPunct="0">
+              <a:spcBef>
+                <a:spcPct val="0"/>
+              </a:spcBef>
+              <a:spcAft>
+                <a:spcPct val="0"/>
+              </a:spcAft>
+              <a:defRPr>
+                <a:solidFill>
+                  <a:schemeClr val="tx1"/>
+                </a:solidFill>
+                <a:latin typeface="Arial" panose="020B0604020202020204" pitchFamily="34" charset="0"/>
+              </a:defRPr>
+            </a:lvl3pPr>
+            <a:lvl4pPr eaLnBrk="0" fontAlgn="base" hangingPunct="0">
+              <a:spcBef>
+                <a:spcPct val="0"/>
+              </a:spcBef>
+              <a:spcAft>
+                <a:spcPct val="0"/>
+              </a:spcAft>
+              <a:defRPr>
+                <a:solidFill>
+                  <a:schemeClr val="tx1"/>
+                </a:solidFill>
+                <a:latin typeface="Arial" panose="020B0604020202020204" pitchFamily="34" charset="0"/>
+              </a:defRPr>
+            </a:lvl4pPr>
+            <a:lvl5pPr eaLnBrk="0" fontAlgn="base" hangingPunct="0">
+              <a:spcBef>
+                <a:spcPct val="0"/>
+              </a:spcBef>
+              <a:spcAft>
+                <a:spcPct val="0"/>
+              </a:spcAft>
+              <a:defRPr>
+                <a:solidFill>
+                  <a:schemeClr val="tx1"/>
+                </a:solidFill>
+                <a:latin typeface="Arial" panose="020B0604020202020204" pitchFamily="34" charset="0"/>
+              </a:defRPr>
+            </a:lvl5pPr>
+            <a:lvl6pPr eaLnBrk="0" fontAlgn="base" hangingPunct="0">
+              <a:spcBef>
+                <a:spcPct val="0"/>
+              </a:spcBef>
+              <a:spcAft>
+                <a:spcPct val="0"/>
+              </a:spcAft>
+              <a:defRPr>
+                <a:solidFill>
+                  <a:schemeClr val="tx1"/>
+                </a:solidFill>
+                <a:latin typeface="Arial" panose="020B0604020202020204" pitchFamily="34" charset="0"/>
+              </a:defRPr>
+            </a:lvl6pPr>
+            <a:lvl7pPr eaLnBrk="0" fontAlgn="base" hangingPunct="0">
+              <a:spcBef>
+                <a:spcPct val="0"/>
+              </a:spcBef>
+              <a:spcAft>
+                <a:spcPct val="0"/>
+              </a:spcAft>
+              <a:defRPr>
+                <a:solidFill>
+                  <a:schemeClr val="tx1"/>
+                </a:solidFill>
+                <a:latin typeface="Arial" panose="020B0604020202020204" pitchFamily="34" charset="0"/>
+              </a:defRPr>
+            </a:lvl7pPr>
+            <a:lvl8pPr eaLnBrk="0" fontAlgn="base" hangingPunct="0">
+              <a:spcBef>
+                <a:spcPct val="0"/>
+              </a:spcBef>
+              <a:spcAft>
+                <a:spcPct val="0"/>
+              </a:spcAft>
+              <a:defRPr>
+                <a:solidFill>
+                  <a:schemeClr val="tx1"/>
+                </a:solidFill>
+                <a:latin typeface="Arial" panose="020B0604020202020204" pitchFamily="34" charset="0"/>
+              </a:defRPr>
+            </a:lvl8pPr>
+            <a:lvl9pPr eaLnBrk="0" fontAlgn="base" hangingPunct="0">
+              <a:spcBef>
+                <a:spcPct val="0"/>
+              </a:spcBef>
+              <a:spcAft>
+                <a:spcPct val="0"/>
+              </a:spcAft>
+              <a:defRPr>
+                <a:solidFill>
+                  <a:schemeClr val="tx1"/>
+                </a:solidFill>
+                <a:latin typeface="Arial" panose="020B0604020202020204" pitchFamily="34" charset="0"/>
+              </a:defRPr>
+            </a:lvl9pPr>
+          </a:lstStyle>
+          <a:p>
+            <a:pPr marL="0" marR="0" lvl="0" indent="0" algn="l" defTabSz="914400" rtl="0" eaLnBrk="0" fontAlgn="base" latinLnBrk="0" hangingPunct="0">
+              <a:lnSpc>
+                <a:spcPct val="100000"/>
+              </a:lnSpc>
+              <a:spcBef>
+                <a:spcPct val="0"/>
+              </a:spcBef>
+              <a:spcAft>
+                <a:spcPct val="0"/>
+              </a:spcAft>
+              <a:buClrTx/>
+              <a:buSzTx/>
+              <a:buFontTx/>
+              <a:buNone/>
+              <a:tabLst/>
+            </a:pPr>
+            <a:endParaRPr kumimoji="0" lang="ru-RU" altLang="ru-RU" sz="1800" b="0" i="0" u="none" strike="noStrike" cap="none" normalizeH="0" baseline="0" dirty="0" smtClean="0">
+              <a:ln>
+                <a:noFill/>
+              </a:ln>
+              <a:solidFill>
+                <a:schemeClr val="tx1"/>
+              </a:solidFill>
+              <a:effectLst/>
+              <a:latin typeface="Arial" panose="020B0604020202020204" pitchFamily="34" charset="0"/>
+            </a:endParaRPr>
+          </a:p>
+        </p:txBody>
+      </p:sp>
+      <p:sp>
+        <p:nvSpPr>
+          <p:cNvPr id="14" name="Rectangle 10"/>
+          <p:cNvSpPr>
+            <a:spLocks noChangeArrowheads="1"/>
+          </p:cNvSpPr>
+          <p:nvPr/>
+        </p:nvSpPr>
+        <p:spPr bwMode="auto">
+          <a:xfrm>
+            <a:off x="0" y="-184665"/>
+            <a:ext cx="184731" cy="369332"/>
+          </a:xfrm>
+          <a:prstGeom prst="rect">
+            <a:avLst/>
+          </a:prstGeom>
+          <a:solidFill>
+            <a:srgbClr val="F8F8F8"/>
+          </a:solidFill>
+          <a:ln>
+            <a:noFill/>
+          </a:ln>
+          <a:effectLst/>
+          <a:extLst>
+            <a:ext uri="{91240B29-F687-4F45-9708-019B960494DF}">
+              <a14:hiddenLine xmlns:a14="http://schemas.microsoft.com/office/drawing/2010/main" w="9525">
+                <a:solidFill>
+                  <a:schemeClr val="tx1"/>
+                </a:solidFill>
+                <a:miter lim="800000"/>
+                <a:headEnd/>
+                <a:tailEnd/>
+              </a14:hiddenLine>
+            </a:ext>
+            <a:ext uri="{AF507438-7753-43E0-B8FC-AC1667EBCBE1}">
+              <a14:hiddenEffects xmlns:a14="http://schemas.microsoft.com/office/drawing/2010/main">
+                <a:effectLst>
+                  <a:outerShdw dist="35921" dir="2700000" algn="ctr" rotWithShape="0">
+                    <a:schemeClr val="bg2"/>
+                  </a:outerShdw>
+                </a:effectLst>
+              </a14:hiddenEffects>
+            </a:ext>
+          </a:extLst>
+        </p:spPr>
+        <p:txBody>
+          <a:bodyPr vert="horz" wrap="none" lIns="91440" tIns="45720" rIns="91440" bIns="45720" numCol="1" anchor="ctr" anchorCtr="0" compatLnSpc="1">
+            <a:prstTxWarp prst="textNoShape">
+              <a:avLst/>
+            </a:prstTxWarp>
+            <a:spAutoFit/>
+          </a:bodyPr>
+          <a:lstStyle>
+            <a:lvl1pPr eaLnBrk="0" fontAlgn="base" hangingPunct="0">
+              <a:spcBef>
+                <a:spcPct val="0"/>
+              </a:spcBef>
+              <a:spcAft>
+                <a:spcPct val="0"/>
+              </a:spcAft>
+              <a:defRPr>
+                <a:solidFill>
+                  <a:schemeClr val="tx1"/>
+                </a:solidFill>
+                <a:latin typeface="Arial" panose="020B0604020202020204" pitchFamily="34" charset="0"/>
+              </a:defRPr>
+            </a:lvl1pPr>
+            <a:lvl2pPr eaLnBrk="0" fontAlgn="base" hangingPunct="0">
+              <a:spcBef>
+                <a:spcPct val="0"/>
+              </a:spcBef>
+              <a:spcAft>
+                <a:spcPct val="0"/>
+              </a:spcAft>
+              <a:defRPr>
+                <a:solidFill>
+                  <a:schemeClr val="tx1"/>
+                </a:solidFill>
+                <a:latin typeface="Arial" panose="020B0604020202020204" pitchFamily="34" charset="0"/>
+              </a:defRPr>
+            </a:lvl2pPr>
+            <a:lvl3pPr eaLnBrk="0" fontAlgn="base" hangingPunct="0">
+              <a:spcBef>
+                <a:spcPct val="0"/>
+              </a:spcBef>
+              <a:spcAft>
+                <a:spcPct val="0"/>
+              </a:spcAft>
+              <a:defRPr>
+                <a:solidFill>
+                  <a:schemeClr val="tx1"/>
+                </a:solidFill>
+                <a:latin typeface="Arial" panose="020B0604020202020204" pitchFamily="34" charset="0"/>
+              </a:defRPr>
+            </a:lvl3pPr>
+            <a:lvl4pPr eaLnBrk="0" fontAlgn="base" hangingPunct="0">
+              <a:spcBef>
+                <a:spcPct val="0"/>
+              </a:spcBef>
+              <a:spcAft>
+                <a:spcPct val="0"/>
+              </a:spcAft>
+              <a:defRPr>
+                <a:solidFill>
+                  <a:schemeClr val="tx1"/>
+                </a:solidFill>
+                <a:latin typeface="Arial" panose="020B0604020202020204" pitchFamily="34" charset="0"/>
+              </a:defRPr>
+            </a:lvl4pPr>
+            <a:lvl5pPr eaLnBrk="0" fontAlgn="base" hangingPunct="0">
+              <a:spcBef>
+                <a:spcPct val="0"/>
+              </a:spcBef>
+              <a:spcAft>
+                <a:spcPct val="0"/>
+              </a:spcAft>
+              <a:defRPr>
+                <a:solidFill>
+                  <a:schemeClr val="tx1"/>
+                </a:solidFill>
+                <a:latin typeface="Arial" panose="020B0604020202020204" pitchFamily="34" charset="0"/>
+              </a:defRPr>
+            </a:lvl5pPr>
+            <a:lvl6pPr eaLnBrk="0" fontAlgn="base" hangingPunct="0">
+              <a:spcBef>
+                <a:spcPct val="0"/>
+              </a:spcBef>
+              <a:spcAft>
+                <a:spcPct val="0"/>
+              </a:spcAft>
+              <a:defRPr>
+                <a:solidFill>
+                  <a:schemeClr val="tx1"/>
+                </a:solidFill>
+                <a:latin typeface="Arial" panose="020B0604020202020204" pitchFamily="34" charset="0"/>
+              </a:defRPr>
+            </a:lvl6pPr>
+            <a:lvl7pPr eaLnBrk="0" fontAlgn="base" hangingPunct="0">
+              <a:spcBef>
+                <a:spcPct val="0"/>
+              </a:spcBef>
+              <a:spcAft>
+                <a:spcPct val="0"/>
+              </a:spcAft>
+              <a:defRPr>
+                <a:solidFill>
+                  <a:schemeClr val="tx1"/>
+                </a:solidFill>
+                <a:latin typeface="Arial" panose="020B0604020202020204" pitchFamily="34" charset="0"/>
+              </a:defRPr>
+            </a:lvl7pPr>
+            <a:lvl8pPr eaLnBrk="0" fontAlgn="base" hangingPunct="0">
+              <a:spcBef>
+                <a:spcPct val="0"/>
+              </a:spcBef>
+              <a:spcAft>
+                <a:spcPct val="0"/>
+              </a:spcAft>
+              <a:defRPr>
+                <a:solidFill>
+                  <a:schemeClr val="tx1"/>
+                </a:solidFill>
+                <a:latin typeface="Arial" panose="020B0604020202020204" pitchFamily="34" charset="0"/>
+              </a:defRPr>
+            </a:lvl8pPr>
+            <a:lvl9pPr eaLnBrk="0" fontAlgn="base" hangingPunct="0">
+              <a:spcBef>
+                <a:spcPct val="0"/>
+              </a:spcBef>
+              <a:spcAft>
+                <a:spcPct val="0"/>
+              </a:spcAft>
+              <a:defRPr>
+                <a:solidFill>
+                  <a:schemeClr val="tx1"/>
+                </a:solidFill>
+                <a:latin typeface="Arial" panose="020B0604020202020204" pitchFamily="34" charset="0"/>
+              </a:defRPr>
+            </a:lvl9pPr>
+          </a:lstStyle>
+          <a:p>
+            <a:pPr marL="0" marR="0" lvl="0" indent="0" algn="l" defTabSz="914400" rtl="0" eaLnBrk="0" fontAlgn="base" latinLnBrk="0" hangingPunct="0">
+              <a:lnSpc>
+                <a:spcPct val="100000"/>
+              </a:lnSpc>
+              <a:spcBef>
+                <a:spcPct val="0"/>
+              </a:spcBef>
+              <a:spcAft>
+                <a:spcPct val="0"/>
+              </a:spcAft>
+              <a:buClrTx/>
+              <a:buSzTx/>
+              <a:buFontTx/>
+              <a:buNone/>
+              <a:tabLst/>
+            </a:pPr>
+            <a:endParaRPr kumimoji="0" lang="ru-RU" altLang="ru-RU" sz="1800" b="0" i="0" u="none" strike="noStrike" cap="none" normalizeH="0" baseline="0" dirty="0" smtClean="0">
+              <a:ln>
+                <a:noFill/>
+              </a:ln>
+              <a:solidFill>
+                <a:schemeClr val="tx1"/>
+              </a:solidFill>
+              <a:effectLst/>
+              <a:latin typeface="Arial" panose="020B0604020202020204" pitchFamily="34" charset="0"/>
+            </a:endParaRPr>
+          </a:p>
+        </p:txBody>
+      </p:sp>
+    </p:spTree>
+    <p:extLst>
+      <p:ext uri="{BB962C8B-B14F-4D97-AF65-F5344CB8AC3E}">
+        <p14:creationId xmlns:p14="http://schemas.microsoft.com/office/powerpoint/2010/main" val="1070262225"/>
+      </p:ext>
+    </p:extLst>
+  </p:cSld>
+  <p:clrMapOvr>
+    <a:masterClrMapping/>
+  </p:clrMapOvr>
 </p:sld>
 </file>
 

--- a/HomeTask11/Executors.pptx
+++ b/HomeTask11/Executors.pptx
@@ -3026,7 +3026,7 @@
         </p:blipFill>
         <p:spPr>
           <a:xfrm>
-            <a:off x="1528990" y="240837"/>
+            <a:off x="1458433" y="365125"/>
             <a:ext cx="9275134" cy="6123038"/>
           </a:xfrm>
         </p:spPr>
@@ -3590,13 +3590,8 @@
             </a:r>
             <a:r>
               <a:rPr lang="ru-RU" altLang="ru-RU" sz="1800" dirty="0" smtClean="0"/>
-              <a:t>дает возможность создать поток под конкретную задачу со специальным именем</a:t>
-            </a:r>
-            <a:r>
-              <a:rPr lang="ru-RU" altLang="ru-RU" sz="1800" dirty="0" smtClean="0"/>
-              <a:t>.</a:t>
-            </a:r>
-            <a:endParaRPr lang="ru-RU" altLang="ru-RU" sz="1800" dirty="0" smtClean="0"/>
+              <a:t>дает возможность создать поток под конкретную задачу со специальным именем.</a:t>
+            </a:r>
           </a:p>
           <a:p>
             <a:pPr lvl="0"/>
@@ -5418,6 +5413,13 @@
   <p:clrMapOvr>
     <a:masterClrMapping/>
   </p:clrMapOvr>
+  <p:timing>
+    <p:tnLst>
+      <p:par>
+        <p:cTn id="1" dur="indefinite" restart="never" nodeType="tmRoot"/>
+      </p:par>
+    </p:tnLst>
+  </p:timing>
 </p:sld>
 </file>
 
